--- a/Pre-game/UIUCTF Pre-game.pptx
+++ b/Pre-game/UIUCTF Pre-game.pptx
@@ -4072,7 +4072,7 @@
           <p:nvPr>
             <p:extLst>
               <p:ext uri="{D42A27DB-BD31-4B8C-83A1-F6EECF244321}">
-                <p14:modId xmlns:p14="http://schemas.microsoft.com/office/powerpoint/2010/main" val="570725068"/>
+                <p14:modId xmlns:p14="http://schemas.microsoft.com/office/powerpoint/2010/main" val="2351976759"/>
               </p:ext>
             </p:extLst>
           </p:nvPr>
@@ -5162,7 +5162,7 @@
         </p:blipFill>
         <p:spPr bwMode="auto">
           <a:xfrm>
-            <a:off x="374444" y="285134"/>
+            <a:off x="291665" y="303795"/>
             <a:ext cx="5714433" cy="5142271"/>
           </a:xfrm>
           <a:prstGeom prst="rect">
@@ -5207,7 +5207,7 @@
         </p:blipFill>
         <p:spPr bwMode="auto">
           <a:xfrm>
-            <a:off x="6248966" y="1376516"/>
+            <a:off x="6342272" y="723374"/>
             <a:ext cx="5651369" cy="4822723"/>
           </a:xfrm>
           <a:prstGeom prst="rect">
@@ -5792,7 +5792,15 @@
             </a:r>
             <a:r>
               <a:rPr lang="en-US" dirty="0"/>
-              <a:t> that I found using OSINT, some of these undergrads have found multiple zero-day vulnerabilities for years. So they’re something like hacker gods. Great </a:t>
+              <a:t> that I found using OSINT, some of these undergrads have found </a:t>
+            </a:r>
+            <a:r>
+              <a:rPr lang="en-US" b="1" i="1" u="sng" dirty="0"/>
+              <a:t>multiple zero-day </a:t>
+            </a:r>
+            <a:r>
+              <a:rPr lang="en-US" dirty="0"/>
+              <a:t>vulnerabilities for years. So they’re something like hacker gods. Great </a:t>
             </a:r>
             <a:r>
               <a:rPr lang="en-US" dirty="0">
